--- a/java/slides/ppt/00 - Java Introduction.pptx
+++ b/java/slides/ppt/00 - Java Introduction.pptx
@@ -7,6 +7,9 @@
   <p:notesMasterIdLst>
     <p:notesMasterId r:id="rId8"/>
   </p:notesMasterIdLst>
+  <p:handoutMasterIdLst>
+    <p:handoutMasterId r:id="rId9"/>
+  </p:handoutMasterIdLst>
   <p:sldIdLst>
     <p:sldId id="256" r:id="rId2"/>
     <p:sldId id="259" r:id="rId3"/>
@@ -15,7 +18,7 @@
     <p:sldId id="258" r:id="rId6"/>
     <p:sldId id="261" r:id="rId7"/>
   </p:sldIdLst>
-  <p:sldSz cx="9144000" cy="6858000" type="screen4x3"/>
+  <p:sldSz cx="12192000" cy="6858000"/>
   <p:notesSz cx="6858000" cy="9144000"/>
   <p:defaultTextStyle>
     <a:defPPr>
@@ -115,12 +118,12 @@
   <p:extLst>
     <p:ext uri="{EFAFB233-063F-42B5-8137-9DF3F51BA10A}">
       <p15:sldGuideLst xmlns:p15="http://schemas.microsoft.com/office/powerpoint/2012/main">
-        <p15:guide id="1" orient="horz" pos="2160">
+        <p15:guide id="1" orient="horz" pos="2160" userDrawn="1">
           <p15:clr>
             <a:srgbClr val="A4A3A4"/>
           </p15:clr>
         </p15:guide>
-        <p15:guide id="2" pos="2880">
+        <p15:guide id="2" pos="3840" userDrawn="1">
           <p15:clr>
             <a:srgbClr val="A4A3A4"/>
           </p15:clr>
@@ -129,6 +132,196 @@
     </p:ext>
   </p:extLst>
 </p:presentation>
+</file>
+
+<file path=ppt/handoutMasters/handoutMaster1.xml><?xml version="1.0" encoding="utf-8"?>
+<p:handoutMaster xmlns:a="http://schemas.openxmlformats.org/drawingml/2006/main" xmlns:r="http://schemas.openxmlformats.org/officeDocument/2006/relationships" xmlns:p="http://schemas.openxmlformats.org/presentationml/2006/main">
+  <p:cSld>
+    <p:bg>
+      <p:bgRef idx="1001">
+        <a:schemeClr val="bg1"/>
+      </p:bgRef>
+    </p:bg>
+    <p:spTree>
+      <p:nvGrpSpPr>
+        <p:cNvPr id="1" name=""/>
+        <p:cNvGrpSpPr/>
+        <p:nvPr/>
+      </p:nvGrpSpPr>
+      <p:grpSpPr>
+        <a:xfrm>
+          <a:off x="0" y="0"/>
+          <a:ext cx="0" cy="0"/>
+          <a:chOff x="0" y="0"/>
+          <a:chExt cx="0" cy="0"/>
+        </a:xfrm>
+      </p:grpSpPr>
+      <p:sp>
+        <p:nvSpPr>
+          <p:cNvPr id="2" name="Header Placeholder 1">
+            <a:extLst>
+              <a:ext uri="{FF2B5EF4-FFF2-40B4-BE49-F238E27FC236}">
+                <a16:creationId xmlns:a16="http://schemas.microsoft.com/office/drawing/2014/main" id="{F25CBCAF-8195-0B41-9F39-155992CBB6CE}"/>
+              </a:ext>
+            </a:extLst>
+          </p:cNvPr>
+          <p:cNvSpPr>
+            <a:spLocks noGrp="1"/>
+          </p:cNvSpPr>
+          <p:nvPr>
+            <p:ph type="hdr" sz="quarter"/>
+          </p:nvPr>
+        </p:nvSpPr>
+        <p:spPr>
+          <a:xfrm>
+            <a:off x="0" y="0"/>
+            <a:ext cx="2971800" cy="458788"/>
+          </a:xfrm>
+          <a:prstGeom prst="rect">
+            <a:avLst/>
+          </a:prstGeom>
+        </p:spPr>
+        <p:txBody>
+          <a:bodyPr vert="horz" lIns="91440" tIns="45720" rIns="91440" bIns="45720" rtlCol="0"/>
+          <a:lstStyle>
+            <a:lvl1pPr algn="l">
+              <a:defRPr sz="1200"/>
+            </a:lvl1pPr>
+          </a:lstStyle>
+          <a:p>
+            <a:endParaRPr lang="en-IT"/>
+          </a:p>
+        </p:txBody>
+      </p:sp>
+      <p:sp>
+        <p:nvSpPr>
+          <p:cNvPr id="3" name="Date Placeholder 2">
+            <a:extLst>
+              <a:ext uri="{FF2B5EF4-FFF2-40B4-BE49-F238E27FC236}">
+                <a16:creationId xmlns:a16="http://schemas.microsoft.com/office/drawing/2014/main" id="{4530F5F1-56F9-594B-8002-505C0B3A9533}"/>
+              </a:ext>
+            </a:extLst>
+          </p:cNvPr>
+          <p:cNvSpPr>
+            <a:spLocks noGrp="1"/>
+          </p:cNvSpPr>
+          <p:nvPr>
+            <p:ph type="dt" sz="quarter" idx="1"/>
+          </p:nvPr>
+        </p:nvSpPr>
+        <p:spPr>
+          <a:xfrm>
+            <a:off x="3884613" y="0"/>
+            <a:ext cx="2971800" cy="458788"/>
+          </a:xfrm>
+          <a:prstGeom prst="rect">
+            <a:avLst/>
+          </a:prstGeom>
+        </p:spPr>
+        <p:txBody>
+          <a:bodyPr vert="horz" lIns="91440" tIns="45720" rIns="91440" bIns="45720" rtlCol="0"/>
+          <a:lstStyle>
+            <a:lvl1pPr algn="r">
+              <a:defRPr sz="1200"/>
+            </a:lvl1pPr>
+          </a:lstStyle>
+          <a:p>
+            <a:fld id="{5591E39A-28E5-5D4D-B97C-ECEB96F19817}" type="datetimeFigureOut">
+              <a:rPr lang="en-IT" smtClean="0"/>
+              <a:t>29/09/21</a:t>
+            </a:fld>
+            <a:endParaRPr lang="en-IT"/>
+          </a:p>
+        </p:txBody>
+      </p:sp>
+      <p:sp>
+        <p:nvSpPr>
+          <p:cNvPr id="4" name="Footer Placeholder 3">
+            <a:extLst>
+              <a:ext uri="{FF2B5EF4-FFF2-40B4-BE49-F238E27FC236}">
+                <a16:creationId xmlns:a16="http://schemas.microsoft.com/office/drawing/2014/main" id="{0D01DB9C-5FE6-5646-A4CF-CACE1FBFD1F6}"/>
+              </a:ext>
+            </a:extLst>
+          </p:cNvPr>
+          <p:cNvSpPr>
+            <a:spLocks noGrp="1"/>
+          </p:cNvSpPr>
+          <p:nvPr>
+            <p:ph type="ftr" sz="quarter" idx="2"/>
+          </p:nvPr>
+        </p:nvSpPr>
+        <p:spPr>
+          <a:xfrm>
+            <a:off x="0" y="8685213"/>
+            <a:ext cx="2971800" cy="458787"/>
+          </a:xfrm>
+          <a:prstGeom prst="rect">
+            <a:avLst/>
+          </a:prstGeom>
+        </p:spPr>
+        <p:txBody>
+          <a:bodyPr vert="horz" lIns="91440" tIns="45720" rIns="91440" bIns="45720" rtlCol="0" anchor="b"/>
+          <a:lstStyle>
+            <a:lvl1pPr algn="l">
+              <a:defRPr sz="1200"/>
+            </a:lvl1pPr>
+          </a:lstStyle>
+          <a:p>
+            <a:endParaRPr lang="en-IT"/>
+          </a:p>
+        </p:txBody>
+      </p:sp>
+      <p:sp>
+        <p:nvSpPr>
+          <p:cNvPr id="5" name="Slide Number Placeholder 4">
+            <a:extLst>
+              <a:ext uri="{FF2B5EF4-FFF2-40B4-BE49-F238E27FC236}">
+                <a16:creationId xmlns:a16="http://schemas.microsoft.com/office/drawing/2014/main" id="{1807AD1E-ED4D-4F49-B2E9-34CF7F0E16D1}"/>
+              </a:ext>
+            </a:extLst>
+          </p:cNvPr>
+          <p:cNvSpPr>
+            <a:spLocks noGrp="1"/>
+          </p:cNvSpPr>
+          <p:nvPr>
+            <p:ph type="sldNum" sz="quarter" idx="3"/>
+          </p:nvPr>
+        </p:nvSpPr>
+        <p:spPr>
+          <a:xfrm>
+            <a:off x="3884613" y="8685213"/>
+            <a:ext cx="2971800" cy="458787"/>
+          </a:xfrm>
+          <a:prstGeom prst="rect">
+            <a:avLst/>
+          </a:prstGeom>
+        </p:spPr>
+        <p:txBody>
+          <a:bodyPr vert="horz" lIns="91440" tIns="45720" rIns="91440" bIns="45720" rtlCol="0" anchor="b"/>
+          <a:lstStyle>
+            <a:lvl1pPr algn="r">
+              <a:defRPr sz="1200"/>
+            </a:lvl1pPr>
+          </a:lstStyle>
+          <a:p>
+            <a:fld id="{D8E6113E-382B-5C49-947E-9975DE242C1F}" type="slidenum">
+              <a:rPr lang="en-IT" smtClean="0"/>
+              <a:t>‹#›</a:t>
+            </a:fld>
+            <a:endParaRPr lang="en-IT"/>
+          </a:p>
+        </p:txBody>
+      </p:sp>
+    </p:spTree>
+    <p:extLst>
+      <p:ext uri="{BB962C8B-B14F-4D97-AF65-F5344CB8AC3E}">
+        <p14:creationId xmlns:p14="http://schemas.microsoft.com/office/powerpoint/2010/main" val="711723140"/>
+      </p:ext>
+    </p:extLst>
+  </p:cSld>
+  <p:clrMap bg1="lt1" tx1="dk1" bg2="lt2" tx2="dk2" accent1="accent1" accent2="accent2" accent3="accent3" accent4="accent4" accent5="accent5" accent6="accent6" hlink="hlink" folHlink="folHlink"/>
+  <p:hf hdr="0" ftr="0" dt="0"/>
+</p:handoutMaster>
 </file>
 
 <file path=ppt/notesMasters/notesMaster1.xml><?xml version="1.0" encoding="utf-8"?>
@@ -214,7 +407,7 @@
             <a:fld id="{BAEB7694-8561-4BE2-948D-EDF7A201F8BB}" type="datetimeFigureOut">
               <a:rPr lang="it-IT" smtClean="0"/>
               <a:pPr/>
-              <a:t>25/01/21</a:t>
+              <a:t>29/09/21</a:t>
             </a:fld>
             <a:endParaRPr lang="it-IT"/>
           </a:p>
@@ -232,8 +425,8 @@
         </p:nvSpPr>
         <p:spPr>
           <a:xfrm>
-            <a:off x="1143000" y="685800"/>
-            <a:ext cx="4572000" cy="3429000"/>
+            <a:off x="381000" y="685800"/>
+            <a:ext cx="6096000" cy="3429000"/>
           </a:xfrm>
           <a:prstGeom prst="rect">
             <a:avLst/>
@@ -389,6 +582,7 @@
     </p:extLst>
   </p:cSld>
   <p:clrMap bg1="lt1" tx1="dk1" bg2="lt2" tx2="dk2" accent1="accent1" accent2="accent2" accent3="accent3" accent4="accent4" accent5="accent5" accent6="accent6" hlink="hlink" folHlink="folHlink"/>
+  <p:hf hdr="0" ftr="0" dt="0"/>
   <p:notesStyle>
     <a:lvl1pPr marL="0" algn="l" defTabSz="914400" rtl="0" eaLnBrk="1" latinLnBrk="0" hangingPunct="1">
       <a:defRPr sz="1200" kern="1200">
@@ -485,7 +679,7 @@
 </file>
 
 <file path=ppt/slideLayouts/slideLayout1.xml><?xml version="1.0" encoding="utf-8"?>
-<p:sldLayout xmlns:a="http://schemas.openxmlformats.org/drawingml/2006/main" xmlns:r="http://schemas.openxmlformats.org/officeDocument/2006/relationships" xmlns:p="http://schemas.openxmlformats.org/presentationml/2006/main" type="title" preserve="1">
+<p:sldLayout xmlns:a="http://schemas.openxmlformats.org/drawingml/2006/main" xmlns:r="http://schemas.openxmlformats.org/officeDocument/2006/relationships" xmlns:p="http://schemas.openxmlformats.org/presentationml/2006/main" preserve="1" userDrawn="1">
   <p:cSld name="Title Slide">
     <p:spTree>
       <p:nvGrpSpPr>
@@ -513,8 +707,8 @@
         </p:nvSpPr>
         <p:spPr>
           <a:xfrm>
-            <a:off x="685800" y="2130425"/>
-            <a:ext cx="7772400" cy="1470025"/>
+            <a:off x="914400" y="2130426"/>
+            <a:ext cx="10363200" cy="1470025"/>
           </a:xfrm>
         </p:spPr>
         <p:txBody>
@@ -541,8 +735,8 @@
         </p:nvSpPr>
         <p:spPr>
           <a:xfrm>
-            <a:off x="1371600" y="3886200"/>
-            <a:ext cx="6400800" cy="1752600"/>
+            <a:off x="1828800" y="3886200"/>
+            <a:ext cx="8534400" cy="1752600"/>
           </a:xfrm>
         </p:spPr>
         <p:txBody>
@@ -660,8 +854,8 @@
         </p:nvSpPr>
         <p:spPr>
           <a:xfrm>
-            <a:off x="3836609" y="6362700"/>
-            <a:ext cx="4850191" cy="365125"/>
+            <a:off x="5115480" y="6362701"/>
+            <a:ext cx="6466921" cy="365125"/>
           </a:xfrm>
           <a:prstGeom prst="rect">
             <a:avLst/>
@@ -688,8 +882,8 @@
         </p:nvCxnSpPr>
         <p:spPr>
           <a:xfrm flipV="1">
-            <a:off x="457200" y="3600450"/>
-            <a:ext cx="8686800" cy="2"/>
+            <a:off x="609600" y="3600450"/>
+            <a:ext cx="11582400" cy="2"/>
           </a:xfrm>
           <a:prstGeom prst="line">
             <a:avLst/>
@@ -734,7 +928,6 @@
   <p:clrMapOvr>
     <a:masterClrMapping/>
   </p:clrMapOvr>
-  <p:hf hdr="0" ftr="0" dt="0"/>
 </p:sldLayout>
 </file>
 
@@ -842,8 +1035,8 @@
         </p:nvSpPr>
         <p:spPr>
           <a:xfrm>
-            <a:off x="3836609" y="6362700"/>
-            <a:ext cx="4850191" cy="365125"/>
+            <a:off x="5115480" y="6362701"/>
+            <a:ext cx="6466921" cy="365125"/>
           </a:xfrm>
           <a:prstGeom prst="rect">
             <a:avLst/>
@@ -870,8 +1063,8 @@
         </p:nvCxnSpPr>
         <p:spPr>
           <a:xfrm flipV="1">
-            <a:off x="457200" y="1388917"/>
-            <a:ext cx="8686800" cy="2"/>
+            <a:off x="609600" y="1388917"/>
+            <a:ext cx="11582400" cy="2"/>
           </a:xfrm>
           <a:prstGeom prst="line">
             <a:avLst/>
@@ -916,7 +1109,6 @@
   <p:clrMapOvr>
     <a:masterClrMapping/>
   </p:clrMapOvr>
-  <p:hf hdr="0" ftr="0" dt="0"/>
 </p:sldLayout>
 </file>
 
@@ -949,8 +1141,8 @@
         </p:nvSpPr>
         <p:spPr>
           <a:xfrm>
-            <a:off x="6629400" y="274638"/>
-            <a:ext cx="2057400" cy="5851525"/>
+            <a:off x="8839200" y="274639"/>
+            <a:ext cx="2743200" cy="5851525"/>
           </a:xfrm>
         </p:spPr>
         <p:txBody>
@@ -977,8 +1169,8 @@
         </p:nvSpPr>
         <p:spPr>
           <a:xfrm>
-            <a:off x="457200" y="274638"/>
-            <a:ext cx="6019800" cy="5851525"/>
+            <a:off x="609600" y="274639"/>
+            <a:ext cx="8026400" cy="5851525"/>
           </a:xfrm>
         </p:spPr>
         <p:txBody>
@@ -1034,8 +1226,8 @@
         </p:nvSpPr>
         <p:spPr>
           <a:xfrm>
-            <a:off x="3836609" y="6362700"/>
-            <a:ext cx="4850191" cy="365125"/>
+            <a:off x="5115480" y="6362701"/>
+            <a:ext cx="6466921" cy="365125"/>
           </a:xfrm>
           <a:prstGeom prst="rect">
             <a:avLst/>
@@ -1064,7 +1256,6 @@
   <p:clrMapOvr>
     <a:masterClrMapping/>
   </p:clrMapOvr>
-  <p:hf hdr="0" ftr="0" dt="0"/>
 </p:sldLayout>
 </file>
 
@@ -1172,8 +1363,8 @@
         </p:nvSpPr>
         <p:spPr>
           <a:xfrm>
-            <a:off x="3836609" y="6362700"/>
-            <a:ext cx="4850191" cy="365125"/>
+            <a:off x="5115480" y="6362701"/>
+            <a:ext cx="6466921" cy="365125"/>
           </a:xfrm>
           <a:prstGeom prst="rect">
             <a:avLst/>
@@ -1200,8 +1391,8 @@
         </p:nvCxnSpPr>
         <p:spPr>
           <a:xfrm flipV="1">
-            <a:off x="457200" y="1388917"/>
-            <a:ext cx="8686800" cy="2"/>
+            <a:off x="609600" y="1388917"/>
+            <a:ext cx="11582400" cy="2"/>
           </a:xfrm>
           <a:prstGeom prst="line">
             <a:avLst/>
@@ -1246,7 +1437,6 @@
   <p:clrMapOvr>
     <a:masterClrMapping/>
   </p:clrMapOvr>
-  <p:hf hdr="0" ftr="0" dt="0"/>
 </p:sldLayout>
 </file>
 
@@ -1279,8 +1469,8 @@
         </p:nvSpPr>
         <p:spPr>
           <a:xfrm>
-            <a:off x="722313" y="4406900"/>
-            <a:ext cx="7772400" cy="1362075"/>
+            <a:off x="963084" y="4406901"/>
+            <a:ext cx="10363200" cy="1362075"/>
           </a:xfrm>
         </p:spPr>
         <p:txBody>
@@ -1311,8 +1501,8 @@
         </p:nvSpPr>
         <p:spPr>
           <a:xfrm>
-            <a:off x="722313" y="2906713"/>
-            <a:ext cx="7772400" cy="1500187"/>
+            <a:off x="963084" y="2906713"/>
+            <a:ext cx="10363200" cy="1500187"/>
           </a:xfrm>
         </p:spPr>
         <p:txBody>
@@ -1430,8 +1620,8 @@
         </p:nvSpPr>
         <p:spPr>
           <a:xfrm>
-            <a:off x="3836609" y="6362700"/>
-            <a:ext cx="4850191" cy="365125"/>
+            <a:off x="5115480" y="6362701"/>
+            <a:ext cx="6466921" cy="365125"/>
           </a:xfrm>
           <a:prstGeom prst="rect">
             <a:avLst/>
@@ -1458,8 +1648,8 @@
         </p:nvCxnSpPr>
         <p:spPr>
           <a:xfrm flipV="1">
-            <a:off x="722313" y="4406900"/>
-            <a:ext cx="8421687" cy="2"/>
+            <a:off x="963085" y="4406900"/>
+            <a:ext cx="11228916" cy="2"/>
           </a:xfrm>
           <a:prstGeom prst="line">
             <a:avLst/>
@@ -1504,7 +1694,6 @@
   <p:clrMapOvr>
     <a:masterClrMapping/>
   </p:clrMapOvr>
-  <p:hf hdr="0" ftr="0" dt="0"/>
 </p:sldLayout>
 </file>
 
@@ -1560,8 +1749,8 @@
         </p:nvSpPr>
         <p:spPr>
           <a:xfrm>
-            <a:off x="457200" y="1600200"/>
-            <a:ext cx="4038600" cy="4525963"/>
+            <a:off x="609600" y="1600201"/>
+            <a:ext cx="5384800" cy="4525963"/>
           </a:xfrm>
         </p:spPr>
         <p:txBody>
@@ -1645,8 +1834,8 @@
         </p:nvSpPr>
         <p:spPr>
           <a:xfrm>
-            <a:off x="4648200" y="1600200"/>
-            <a:ext cx="4038600" cy="4525963"/>
+            <a:off x="6197600" y="1600201"/>
+            <a:ext cx="5384800" cy="4525963"/>
           </a:xfrm>
         </p:spPr>
         <p:txBody>
@@ -1730,8 +1919,8 @@
         </p:nvSpPr>
         <p:spPr>
           <a:xfrm>
-            <a:off x="3836609" y="6362700"/>
-            <a:ext cx="4850191" cy="365125"/>
+            <a:off x="5115480" y="6362701"/>
+            <a:ext cx="6466921" cy="365125"/>
           </a:xfrm>
           <a:prstGeom prst="rect">
             <a:avLst/>
@@ -1758,8 +1947,8 @@
         </p:nvCxnSpPr>
         <p:spPr>
           <a:xfrm flipV="1">
-            <a:off x="457200" y="1388917"/>
-            <a:ext cx="8686800" cy="2"/>
+            <a:off x="609600" y="1388917"/>
+            <a:ext cx="11582400" cy="2"/>
           </a:xfrm>
           <a:prstGeom prst="line">
             <a:avLst/>
@@ -1804,7 +1993,6 @@
   <p:clrMapOvr>
     <a:masterClrMapping/>
   </p:clrMapOvr>
-  <p:hf hdr="0" ftr="0" dt="0"/>
 </p:sldLayout>
 </file>
 
@@ -1864,8 +2052,8 @@
         </p:nvSpPr>
         <p:spPr>
           <a:xfrm>
-            <a:off x="457200" y="1535113"/>
-            <a:ext cx="4040188" cy="639762"/>
+            <a:off x="609600" y="1535113"/>
+            <a:ext cx="5386917" cy="639762"/>
           </a:xfrm>
         </p:spPr>
         <p:txBody>
@@ -1929,8 +2117,8 @@
         </p:nvSpPr>
         <p:spPr>
           <a:xfrm>
-            <a:off x="457200" y="2174875"/>
-            <a:ext cx="4040188" cy="3951288"/>
+            <a:off x="609600" y="2174875"/>
+            <a:ext cx="5386917" cy="3951288"/>
           </a:xfrm>
         </p:spPr>
         <p:txBody>
@@ -2014,8 +2202,8 @@
         </p:nvSpPr>
         <p:spPr>
           <a:xfrm>
-            <a:off x="4645025" y="1535113"/>
-            <a:ext cx="4041775" cy="639762"/>
+            <a:off x="6193368" y="1535113"/>
+            <a:ext cx="5389033" cy="639762"/>
           </a:xfrm>
         </p:spPr>
         <p:txBody>
@@ -2079,8 +2267,8 @@
         </p:nvSpPr>
         <p:spPr>
           <a:xfrm>
-            <a:off x="4645025" y="2174875"/>
-            <a:ext cx="4041775" cy="3951288"/>
+            <a:off x="6193368" y="2174875"/>
+            <a:ext cx="5389033" cy="3951288"/>
           </a:xfrm>
         </p:spPr>
         <p:txBody>
@@ -2164,8 +2352,8 @@
         </p:nvSpPr>
         <p:spPr>
           <a:xfrm>
-            <a:off x="3836609" y="6362700"/>
-            <a:ext cx="4850191" cy="365125"/>
+            <a:off x="5115480" y="6362701"/>
+            <a:ext cx="6466921" cy="365125"/>
           </a:xfrm>
           <a:prstGeom prst="rect">
             <a:avLst/>
@@ -2192,8 +2380,8 @@
         </p:nvCxnSpPr>
         <p:spPr>
           <a:xfrm flipV="1">
-            <a:off x="457200" y="1388917"/>
-            <a:ext cx="8686800" cy="2"/>
+            <a:off x="609600" y="1388917"/>
+            <a:ext cx="11582400" cy="2"/>
           </a:xfrm>
           <a:prstGeom prst="line">
             <a:avLst/>
@@ -2238,7 +2426,6 @@
   <p:clrMapOvr>
     <a:masterClrMapping/>
   </p:clrMapOvr>
-  <p:hf hdr="0" ftr="0" dt="0"/>
 </p:sldLayout>
 </file>
 
@@ -2294,8 +2481,8 @@
         </p:nvSpPr>
         <p:spPr>
           <a:xfrm>
-            <a:off x="3836609" y="6362700"/>
-            <a:ext cx="4850191" cy="365125"/>
+            <a:off x="5115480" y="6362701"/>
+            <a:ext cx="6466921" cy="365125"/>
           </a:xfrm>
           <a:prstGeom prst="rect">
             <a:avLst/>
@@ -2322,8 +2509,8 @@
         </p:nvCxnSpPr>
         <p:spPr>
           <a:xfrm flipV="1">
-            <a:off x="457200" y="1388917"/>
-            <a:ext cx="8686800" cy="2"/>
+            <a:off x="609600" y="1388917"/>
+            <a:ext cx="11582400" cy="2"/>
           </a:xfrm>
           <a:prstGeom prst="line">
             <a:avLst/>
@@ -2368,7 +2555,6 @@
   <p:clrMapOvr>
     <a:masterClrMapping/>
   </p:clrMapOvr>
-  <p:hf hdr="0" ftr="0" dt="0"/>
 </p:sldLayout>
 </file>
 
@@ -2401,8 +2587,8 @@
         </p:nvSpPr>
         <p:spPr>
           <a:xfrm>
-            <a:off x="3836609" y="6362700"/>
-            <a:ext cx="4850191" cy="365125"/>
+            <a:off x="5115480" y="6362701"/>
+            <a:ext cx="6466921" cy="365125"/>
           </a:xfrm>
           <a:prstGeom prst="rect">
             <a:avLst/>
@@ -2431,7 +2617,6 @@
   <p:clrMapOvr>
     <a:masterClrMapping/>
   </p:clrMapOvr>
-  <p:hf hdr="0" ftr="0" dt="0"/>
 </p:sldLayout>
 </file>
 
@@ -2464,8 +2649,8 @@
         </p:nvSpPr>
         <p:spPr>
           <a:xfrm>
-            <a:off x="457200" y="273050"/>
-            <a:ext cx="3008313" cy="1162050"/>
+            <a:off x="609601" y="273050"/>
+            <a:ext cx="4011084" cy="1162050"/>
           </a:xfrm>
         </p:spPr>
         <p:txBody>
@@ -2496,8 +2681,8 @@
         </p:nvSpPr>
         <p:spPr>
           <a:xfrm>
-            <a:off x="3575050" y="273050"/>
-            <a:ext cx="5111750" cy="5853113"/>
+            <a:off x="4766733" y="273051"/>
+            <a:ext cx="6815667" cy="5853113"/>
           </a:xfrm>
         </p:spPr>
         <p:txBody>
@@ -2581,8 +2766,8 @@
         </p:nvSpPr>
         <p:spPr>
           <a:xfrm>
-            <a:off x="457200" y="1435100"/>
-            <a:ext cx="3008313" cy="4691063"/>
+            <a:off x="609601" y="1435101"/>
+            <a:ext cx="4011084" cy="4691063"/>
           </a:xfrm>
         </p:spPr>
         <p:txBody>
@@ -2646,8 +2831,8 @@
         </p:nvSpPr>
         <p:spPr>
           <a:xfrm>
-            <a:off x="3836609" y="6362700"/>
-            <a:ext cx="4850191" cy="365125"/>
+            <a:off x="5115480" y="6362701"/>
+            <a:ext cx="6466921" cy="365125"/>
           </a:xfrm>
           <a:prstGeom prst="rect">
             <a:avLst/>
@@ -2676,7 +2861,6 @@
   <p:clrMapOvr>
     <a:masterClrMapping/>
   </p:clrMapOvr>
-  <p:hf hdr="0" ftr="0" dt="0"/>
 </p:sldLayout>
 </file>
 
@@ -2709,8 +2893,8 @@
         </p:nvSpPr>
         <p:spPr>
           <a:xfrm>
-            <a:off x="1792288" y="4800600"/>
-            <a:ext cx="5486400" cy="566738"/>
+            <a:off x="2389717" y="4800600"/>
+            <a:ext cx="7315200" cy="566738"/>
           </a:xfrm>
         </p:spPr>
         <p:txBody>
@@ -2741,8 +2925,8 @@
         </p:nvSpPr>
         <p:spPr>
           <a:xfrm>
-            <a:off x="1792288" y="612775"/>
-            <a:ext cx="5486400" cy="4114800"/>
+            <a:off x="2389717" y="612775"/>
+            <a:ext cx="7315200" cy="4114800"/>
           </a:xfrm>
         </p:spPr>
         <p:txBody>
@@ -2806,8 +2990,8 @@
         </p:nvSpPr>
         <p:spPr>
           <a:xfrm>
-            <a:off x="1792288" y="5367338"/>
-            <a:ext cx="5486400" cy="804862"/>
+            <a:off x="2389717" y="5367338"/>
+            <a:ext cx="7315200" cy="804862"/>
           </a:xfrm>
         </p:spPr>
         <p:txBody>
@@ -2871,8 +3055,8 @@
         </p:nvSpPr>
         <p:spPr>
           <a:xfrm>
-            <a:off x="3836609" y="6362700"/>
-            <a:ext cx="4850191" cy="365125"/>
+            <a:off x="5115480" y="6362701"/>
+            <a:ext cx="6466921" cy="365125"/>
           </a:xfrm>
           <a:prstGeom prst="rect">
             <a:avLst/>
@@ -2899,8 +3083,8 @@
         </p:nvCxnSpPr>
         <p:spPr>
           <a:xfrm flipV="1">
-            <a:off x="457200" y="4752218"/>
-            <a:ext cx="8686800" cy="2"/>
+            <a:off x="609600" y="4752218"/>
+            <a:ext cx="11582400" cy="2"/>
           </a:xfrm>
           <a:prstGeom prst="line">
             <a:avLst/>
@@ -2945,7 +3129,6 @@
   <p:clrMapOvr>
     <a:masterClrMapping/>
   </p:clrMapOvr>
-  <p:hf hdr="0" ftr="0" dt="0"/>
 </p:sldLayout>
 </file>
 
@@ -2983,8 +3166,8 @@
         </p:nvSpPr>
         <p:spPr>
           <a:xfrm>
-            <a:off x="457200" y="274638"/>
-            <a:ext cx="8229600" cy="1143000"/>
+            <a:off x="609600" y="274638"/>
+            <a:ext cx="10972800" cy="1143000"/>
           </a:xfrm>
           <a:prstGeom prst="rect">
             <a:avLst/>
@@ -3016,8 +3199,8 @@
         </p:nvSpPr>
         <p:spPr>
           <a:xfrm>
-            <a:off x="457200" y="1600200"/>
-            <a:ext cx="8229600" cy="4525963"/>
+            <a:off x="609600" y="1600201"/>
+            <a:ext cx="10972800" cy="4525963"/>
           </a:xfrm>
           <a:prstGeom prst="rect">
             <a:avLst/>
@@ -3066,36 +3249,6 @@
           </a:p>
         </p:txBody>
       </p:sp>
-      <p:pic>
-        <p:nvPicPr>
-          <p:cNvPr id="7" name="Picture 6" descr="ing-modena copy.png"/>
-          <p:cNvPicPr>
-            <a:picLocks noChangeAspect="1"/>
-          </p:cNvPicPr>
-          <p:nvPr/>
-        </p:nvPicPr>
-        <p:blipFill>
-          <a:blip r:embed="rId13">
-            <a:extLst>
-              <a:ext uri="{28A0092B-C50C-407E-A947-70E740481C1C}">
-                <a14:useLocalDpi xmlns:a14="http://schemas.microsoft.com/office/drawing/2010/main" val="0"/>
-              </a:ext>
-            </a:extLst>
-          </a:blip>
-          <a:stretch>
-            <a:fillRect/>
-          </a:stretch>
-        </p:blipFill>
-        <p:spPr>
-          <a:xfrm>
-            <a:off x="24190" y="5781975"/>
-            <a:ext cx="1689100" cy="1066800"/>
-          </a:xfrm>
-          <a:prstGeom prst="rect">
-            <a:avLst/>
-          </a:prstGeom>
-        </p:spPr>
-      </p:pic>
       <p:pic>
         <p:nvPicPr>
           <p:cNvPr id="8" name="Picture 7" descr="ing-modena copy.png"/>
@@ -3118,8 +3271,8 @@
         </p:blipFill>
         <p:spPr>
           <a:xfrm>
-            <a:off x="24190" y="5781975"/>
-            <a:ext cx="1689100" cy="1066800"/>
+            <a:off x="-45803" y="6021288"/>
+            <a:ext cx="1533291" cy="899495"/>
           </a:xfrm>
           <a:prstGeom prst="rect">
             <a:avLst/>
@@ -3138,8 +3291,8 @@
         </p:nvSpPr>
         <p:spPr>
           <a:xfrm>
-            <a:off x="3836609" y="6362700"/>
-            <a:ext cx="4850191" cy="365125"/>
+            <a:off x="5115480" y="6362701"/>
+            <a:ext cx="6466921" cy="365125"/>
           </a:xfrm>
           <a:prstGeom prst="rect">
             <a:avLst/>
@@ -3494,7 +3647,7 @@
         </p:nvSpPr>
         <p:spPr>
           <a:xfrm>
-            <a:off x="1371600" y="3886200"/>
+            <a:off x="2895600" y="3886200"/>
             <a:ext cx="6400800" cy="1752600"/>
           </a:xfrm>
         </p:spPr>
@@ -5011,4 +5164,299 @@
   <a:objectDefaults/>
   <a:extraClrSchemeLst/>
 </a:theme>
+</file>
+
+<file path=ppt/theme/theme3.xml><?xml version="1.0" encoding="utf-8"?>
+<a:theme xmlns:a="http://schemas.openxmlformats.org/drawingml/2006/main" name="Office Theme">
+  <a:themeElements>
+    <a:clrScheme name="Office">
+      <a:dk1>
+        <a:sysClr val="windowText" lastClr="000000"/>
+      </a:dk1>
+      <a:lt1>
+        <a:sysClr val="window" lastClr="FFFFFF"/>
+      </a:lt1>
+      <a:dk2>
+        <a:srgbClr val="44546A"/>
+      </a:dk2>
+      <a:lt2>
+        <a:srgbClr val="E7E6E6"/>
+      </a:lt2>
+      <a:accent1>
+        <a:srgbClr val="4472C4"/>
+      </a:accent1>
+      <a:accent2>
+        <a:srgbClr val="ED7D31"/>
+      </a:accent2>
+      <a:accent3>
+        <a:srgbClr val="A5A5A5"/>
+      </a:accent3>
+      <a:accent4>
+        <a:srgbClr val="FFC000"/>
+      </a:accent4>
+      <a:accent5>
+        <a:srgbClr val="5B9BD5"/>
+      </a:accent5>
+      <a:accent6>
+        <a:srgbClr val="70AD47"/>
+      </a:accent6>
+      <a:hlink>
+        <a:srgbClr val="0563C1"/>
+      </a:hlink>
+      <a:folHlink>
+        <a:srgbClr val="954F72"/>
+      </a:folHlink>
+    </a:clrScheme>
+    <a:fontScheme name="Office">
+      <a:majorFont>
+        <a:latin typeface="Calibri Light" panose="020F0302020204030204"/>
+        <a:ea typeface=""/>
+        <a:cs typeface=""/>
+        <a:font script="Jpan" typeface="游ゴシック Light"/>
+        <a:font script="Hang" typeface="맑은 고딕"/>
+        <a:font script="Hans" typeface="等线 Light"/>
+        <a:font script="Hant" typeface="新細明體"/>
+        <a:font script="Arab" typeface="Times New Roman"/>
+        <a:font script="Hebr" typeface="Times New Roman"/>
+        <a:font script="Thai" typeface="Angsana New"/>
+        <a:font script="Ethi" typeface="Nyala"/>
+        <a:font script="Beng" typeface="Vrinda"/>
+        <a:font script="Gujr" typeface="Shruti"/>
+        <a:font script="Khmr" typeface="MoolBoran"/>
+        <a:font script="Knda" typeface="Tunga"/>
+        <a:font script="Guru" typeface="Raavi"/>
+        <a:font script="Cans" typeface="Euphemia"/>
+        <a:font script="Cher" typeface="Plantagenet Cherokee"/>
+        <a:font script="Yiii" typeface="Microsoft Yi Baiti"/>
+        <a:font script="Tibt" typeface="Microsoft Himalaya"/>
+        <a:font script="Thaa" typeface="MV Boli"/>
+        <a:font script="Deva" typeface="Mangal"/>
+        <a:font script="Telu" typeface="Gautami"/>
+        <a:font script="Taml" typeface="Latha"/>
+        <a:font script="Syrc" typeface="Estrangelo Edessa"/>
+        <a:font script="Orya" typeface="Kalinga"/>
+        <a:font script="Mlym" typeface="Kartika"/>
+        <a:font script="Laoo" typeface="DokChampa"/>
+        <a:font script="Sinh" typeface="Iskoola Pota"/>
+        <a:font script="Mong" typeface="Mongolian Baiti"/>
+        <a:font script="Viet" typeface="Times New Roman"/>
+        <a:font script="Uigh" typeface="Microsoft Uighur"/>
+        <a:font script="Geor" typeface="Sylfaen"/>
+        <a:font script="Armn" typeface="Arial"/>
+        <a:font script="Bugi" typeface="Leelawadee UI"/>
+        <a:font script="Bopo" typeface="Microsoft JhengHei"/>
+        <a:font script="Java" typeface="Javanese Text"/>
+        <a:font script="Lisu" typeface="Segoe UI"/>
+        <a:font script="Mymr" typeface="Myanmar Text"/>
+        <a:font script="Nkoo" typeface="Ebrima"/>
+        <a:font script="Olck" typeface="Nirmala UI"/>
+        <a:font script="Osma" typeface="Ebrima"/>
+        <a:font script="Phag" typeface="Phagspa"/>
+        <a:font script="Syrn" typeface="Estrangelo Edessa"/>
+        <a:font script="Syrj" typeface="Estrangelo Edessa"/>
+        <a:font script="Syre" typeface="Estrangelo Edessa"/>
+        <a:font script="Sora" typeface="Nirmala UI"/>
+        <a:font script="Tale" typeface="Microsoft Tai Le"/>
+        <a:font script="Talu" typeface="Microsoft New Tai Lue"/>
+        <a:font script="Tfng" typeface="Ebrima"/>
+      </a:majorFont>
+      <a:minorFont>
+        <a:latin typeface="Calibri" panose="020F0502020204030204"/>
+        <a:ea typeface=""/>
+        <a:cs typeface=""/>
+        <a:font script="Jpan" typeface="游ゴシック"/>
+        <a:font script="Hang" typeface="맑은 고딕"/>
+        <a:font script="Hans" typeface="等线"/>
+        <a:font script="Hant" typeface="新細明體"/>
+        <a:font script="Arab" typeface="Arial"/>
+        <a:font script="Hebr" typeface="Arial"/>
+        <a:font script="Thai" typeface="Cordia New"/>
+        <a:font script="Ethi" typeface="Nyala"/>
+        <a:font script="Beng" typeface="Vrinda"/>
+        <a:font script="Gujr" typeface="Shruti"/>
+        <a:font script="Khmr" typeface="DaunPenh"/>
+        <a:font script="Knda" typeface="Tunga"/>
+        <a:font script="Guru" typeface="Raavi"/>
+        <a:font script="Cans" typeface="Euphemia"/>
+        <a:font script="Cher" typeface="Plantagenet Cherokee"/>
+        <a:font script="Yiii" typeface="Microsoft Yi Baiti"/>
+        <a:font script="Tibt" typeface="Microsoft Himalaya"/>
+        <a:font script="Thaa" typeface="MV Boli"/>
+        <a:font script="Deva" typeface="Mangal"/>
+        <a:font script="Telu" typeface="Gautami"/>
+        <a:font script="Taml" typeface="Latha"/>
+        <a:font script="Syrc" typeface="Estrangelo Edessa"/>
+        <a:font script="Orya" typeface="Kalinga"/>
+        <a:font script="Mlym" typeface="Kartika"/>
+        <a:font script="Laoo" typeface="DokChampa"/>
+        <a:font script="Sinh" typeface="Iskoola Pota"/>
+        <a:font script="Mong" typeface="Mongolian Baiti"/>
+        <a:font script="Viet" typeface="Arial"/>
+        <a:font script="Uigh" typeface="Microsoft Uighur"/>
+        <a:font script="Geor" typeface="Sylfaen"/>
+        <a:font script="Armn" typeface="Arial"/>
+        <a:font script="Bugi" typeface="Leelawadee UI"/>
+        <a:font script="Bopo" typeface="Microsoft JhengHei"/>
+        <a:font script="Java" typeface="Javanese Text"/>
+        <a:font script="Lisu" typeface="Segoe UI"/>
+        <a:font script="Mymr" typeface="Myanmar Text"/>
+        <a:font script="Nkoo" typeface="Ebrima"/>
+        <a:font script="Olck" typeface="Nirmala UI"/>
+        <a:font script="Osma" typeface="Ebrima"/>
+        <a:font script="Phag" typeface="Phagspa"/>
+        <a:font script="Syrn" typeface="Estrangelo Edessa"/>
+        <a:font script="Syrj" typeface="Estrangelo Edessa"/>
+        <a:font script="Syre" typeface="Estrangelo Edessa"/>
+        <a:font script="Sora" typeface="Nirmala UI"/>
+        <a:font script="Tale" typeface="Microsoft Tai Le"/>
+        <a:font script="Talu" typeface="Microsoft New Tai Lue"/>
+        <a:font script="Tfng" typeface="Ebrima"/>
+      </a:minorFont>
+    </a:fontScheme>
+    <a:fmtScheme name="Office">
+      <a:fillStyleLst>
+        <a:solidFill>
+          <a:schemeClr val="phClr"/>
+        </a:solidFill>
+        <a:gradFill rotWithShape="1">
+          <a:gsLst>
+            <a:gs pos="0">
+              <a:schemeClr val="phClr">
+                <a:lumMod val="110000"/>
+                <a:satMod val="105000"/>
+                <a:tint val="67000"/>
+              </a:schemeClr>
+            </a:gs>
+            <a:gs pos="50000">
+              <a:schemeClr val="phClr">
+                <a:lumMod val="105000"/>
+                <a:satMod val="103000"/>
+                <a:tint val="73000"/>
+              </a:schemeClr>
+            </a:gs>
+            <a:gs pos="100000">
+              <a:schemeClr val="phClr">
+                <a:lumMod val="105000"/>
+                <a:satMod val="109000"/>
+                <a:tint val="81000"/>
+              </a:schemeClr>
+            </a:gs>
+          </a:gsLst>
+          <a:lin ang="5400000" scaled="0"/>
+        </a:gradFill>
+        <a:gradFill rotWithShape="1">
+          <a:gsLst>
+            <a:gs pos="0">
+              <a:schemeClr val="phClr">
+                <a:satMod val="103000"/>
+                <a:lumMod val="102000"/>
+                <a:tint val="94000"/>
+              </a:schemeClr>
+            </a:gs>
+            <a:gs pos="50000">
+              <a:schemeClr val="phClr">
+                <a:satMod val="110000"/>
+                <a:lumMod val="100000"/>
+                <a:shade val="100000"/>
+              </a:schemeClr>
+            </a:gs>
+            <a:gs pos="100000">
+              <a:schemeClr val="phClr">
+                <a:lumMod val="99000"/>
+                <a:satMod val="120000"/>
+                <a:shade val="78000"/>
+              </a:schemeClr>
+            </a:gs>
+          </a:gsLst>
+          <a:lin ang="5400000" scaled="0"/>
+        </a:gradFill>
+      </a:fillStyleLst>
+      <a:lnStyleLst>
+        <a:ln w="6350" cap="flat" cmpd="sng" algn="ctr">
+          <a:solidFill>
+            <a:schemeClr val="phClr"/>
+          </a:solidFill>
+          <a:prstDash val="solid"/>
+          <a:miter lim="800000"/>
+        </a:ln>
+        <a:ln w="12700" cap="flat" cmpd="sng" algn="ctr">
+          <a:solidFill>
+            <a:schemeClr val="phClr"/>
+          </a:solidFill>
+          <a:prstDash val="solid"/>
+          <a:miter lim="800000"/>
+        </a:ln>
+        <a:ln w="19050" cap="flat" cmpd="sng" algn="ctr">
+          <a:solidFill>
+            <a:schemeClr val="phClr"/>
+          </a:solidFill>
+          <a:prstDash val="solid"/>
+          <a:miter lim="800000"/>
+        </a:ln>
+      </a:lnStyleLst>
+      <a:effectStyleLst>
+        <a:effectStyle>
+          <a:effectLst/>
+        </a:effectStyle>
+        <a:effectStyle>
+          <a:effectLst/>
+        </a:effectStyle>
+        <a:effectStyle>
+          <a:effectLst>
+            <a:outerShdw blurRad="57150" dist="19050" dir="5400000" algn="ctr" rotWithShape="0">
+              <a:srgbClr val="000000">
+                <a:alpha val="63000"/>
+              </a:srgbClr>
+            </a:outerShdw>
+          </a:effectLst>
+        </a:effectStyle>
+      </a:effectStyleLst>
+      <a:bgFillStyleLst>
+        <a:solidFill>
+          <a:schemeClr val="phClr"/>
+        </a:solidFill>
+        <a:solidFill>
+          <a:schemeClr val="phClr">
+            <a:tint val="95000"/>
+            <a:satMod val="170000"/>
+          </a:schemeClr>
+        </a:solidFill>
+        <a:gradFill rotWithShape="1">
+          <a:gsLst>
+            <a:gs pos="0">
+              <a:schemeClr val="phClr">
+                <a:tint val="93000"/>
+                <a:satMod val="150000"/>
+                <a:shade val="98000"/>
+                <a:lumMod val="102000"/>
+              </a:schemeClr>
+            </a:gs>
+            <a:gs pos="50000">
+              <a:schemeClr val="phClr">
+                <a:tint val="98000"/>
+                <a:satMod val="130000"/>
+                <a:shade val="90000"/>
+                <a:lumMod val="103000"/>
+              </a:schemeClr>
+            </a:gs>
+            <a:gs pos="100000">
+              <a:schemeClr val="phClr">
+                <a:shade val="63000"/>
+                <a:satMod val="120000"/>
+              </a:schemeClr>
+            </a:gs>
+          </a:gsLst>
+          <a:lin ang="5400000" scaled="0"/>
+        </a:gradFill>
+      </a:bgFillStyleLst>
+    </a:fmtScheme>
+  </a:themeElements>
+  <a:objectDefaults/>
+  <a:extraClrSchemeLst/>
+  <a:extLst>
+    <a:ext uri="{05A4C25C-085E-4340-85A3-A5531E510DB2}">
+      <thm15:themeFamily xmlns:thm15="http://schemas.microsoft.com/office/thememl/2012/main" name="Office Theme" id="{62F939B6-93AF-4DB8-9C6B-D6C7DFDC589F}" vid="{4A3C46E8-61CC-4603-A589-7422A47A8E4A}"/>
+    </a:ext>
+  </a:extLst>
+</a:theme>
 </file>